--- a/자연어처리활용/텍스트 요약- Attention을 이용한 Train 모델 구조.pptx
+++ b/자연어처리활용/텍스트 요약- Attention을 이용한 Train 모델 구조.pptx
@@ -11072,8 +11072,8 @@
           </p:sp>
         </mc:Fallback>
       </mc:AlternateContent>
-      <mc:AlternateContent xmlns:mc="http://schemas.openxmlformats.org/markup-compatibility/2006">
-        <mc:Choice xmlns:a14="http://schemas.microsoft.com/office/drawing/2010/main" Requires="a14">
+      <mc:AlternateContent xmlns:mc="http://schemas.openxmlformats.org/markup-compatibility/2006" xmlns:a14="http://schemas.microsoft.com/office/drawing/2010/main">
+        <mc:Choice Requires="a14">
           <p:sp>
             <p:nvSpPr>
               <p:cNvPr id="12" name="TextBox 11">
@@ -11158,7 +11158,7 @@
             </p:txBody>
           </p:sp>
         </mc:Choice>
-        <mc:Fallback>
+        <mc:Fallback xmlns="">
           <p:sp>
             <p:nvSpPr>
               <p:cNvPr id="12" name="TextBox 11">
@@ -15837,8 +15837,8 @@
           </a:p>
         </p:txBody>
       </p:sp>
-      <mc:AlternateContent xmlns:mc="http://schemas.openxmlformats.org/markup-compatibility/2006" xmlns:a14="http://schemas.microsoft.com/office/drawing/2010/main">
-        <mc:Choice Requires="a14">
+      <mc:AlternateContent xmlns:mc="http://schemas.openxmlformats.org/markup-compatibility/2006">
+        <mc:Choice xmlns:a14="http://schemas.microsoft.com/office/drawing/2010/main" Requires="a14">
           <p:sp>
             <p:nvSpPr>
               <p:cNvPr id="301" name="TextBox 300">
@@ -15926,7 +15926,7 @@
             </p:txBody>
           </p:sp>
         </mc:Choice>
-        <mc:Fallback xmlns="">
+        <mc:Fallback>
           <p:sp>
             <p:nvSpPr>
               <p:cNvPr id="301" name="TextBox 300">
@@ -16549,8 +16549,8 @@
           </a:fontRef>
         </p:style>
       </p:cxnSp>
-      <mc:AlternateContent xmlns:mc="http://schemas.openxmlformats.org/markup-compatibility/2006" xmlns:a14="http://schemas.microsoft.com/office/drawing/2010/main">
-        <mc:Choice Requires="a14">
+      <mc:AlternateContent xmlns:mc="http://schemas.openxmlformats.org/markup-compatibility/2006">
+        <mc:Choice xmlns:a14="http://schemas.microsoft.com/office/drawing/2010/main" Requires="a14">
           <p:sp>
             <p:nvSpPr>
               <p:cNvPr id="7193" name="TextBox 7192">
@@ -16674,7 +16674,7 @@
             </p:txBody>
           </p:sp>
         </mc:Choice>
-        <mc:Fallback xmlns="">
+        <mc:Fallback>
           <p:sp>
             <p:nvSpPr>
               <p:cNvPr id="7193" name="TextBox 7192">
@@ -19415,8 +19415,8 @@
           </p:sp>
         </mc:Fallback>
       </mc:AlternateContent>
-      <mc:AlternateContent xmlns:mc="http://schemas.openxmlformats.org/markup-compatibility/2006">
-        <mc:Choice xmlns:a14="http://schemas.microsoft.com/office/drawing/2010/main" Requires="a14">
+      <mc:AlternateContent xmlns:mc="http://schemas.openxmlformats.org/markup-compatibility/2006" xmlns:a14="http://schemas.microsoft.com/office/drawing/2010/main">
+        <mc:Choice Requires="a14">
           <p:sp>
             <p:nvSpPr>
               <p:cNvPr id="9" name="TextBox 8">
@@ -19511,7 +19511,7 @@
             </p:txBody>
           </p:sp>
         </mc:Choice>
-        <mc:Fallback>
+        <mc:Fallback xmlns="">
           <p:sp>
             <p:nvSpPr>
               <p:cNvPr id="9" name="TextBox 8">
@@ -19556,8 +19556,8 @@
           </p:sp>
         </mc:Fallback>
       </mc:AlternateContent>
-      <mc:AlternateContent xmlns:mc="http://schemas.openxmlformats.org/markup-compatibility/2006">
-        <mc:Choice xmlns:a14="http://schemas.microsoft.com/office/drawing/2010/main" Requires="a14">
+      <mc:AlternateContent xmlns:mc="http://schemas.openxmlformats.org/markup-compatibility/2006" xmlns:a14="http://schemas.microsoft.com/office/drawing/2010/main">
+        <mc:Choice Requires="a14">
           <p:sp>
             <p:nvSpPr>
               <p:cNvPr id="10" name="TextBox 9">
@@ -19642,7 +19642,7 @@
             </p:txBody>
           </p:sp>
         </mc:Choice>
-        <mc:Fallback>
+        <mc:Fallback xmlns="">
           <p:sp>
             <p:nvSpPr>
               <p:cNvPr id="10" name="TextBox 9">
@@ -19687,8 +19687,8 @@
           </p:sp>
         </mc:Fallback>
       </mc:AlternateContent>
-      <mc:AlternateContent xmlns:mc="http://schemas.openxmlformats.org/markup-compatibility/2006">
-        <mc:Choice xmlns:a14="http://schemas.microsoft.com/office/drawing/2010/main" Requires="a14">
+      <mc:AlternateContent xmlns:mc="http://schemas.openxmlformats.org/markup-compatibility/2006" xmlns:a14="http://schemas.microsoft.com/office/drawing/2010/main">
+        <mc:Choice Requires="a14">
           <p:sp>
             <p:nvSpPr>
               <p:cNvPr id="11" name="TextBox 10">
@@ -19773,7 +19773,7 @@
             </p:txBody>
           </p:sp>
         </mc:Choice>
-        <mc:Fallback>
+        <mc:Fallback xmlns="">
           <p:sp>
             <p:nvSpPr>
               <p:cNvPr id="11" name="TextBox 10">
@@ -19818,8 +19818,8 @@
           </p:sp>
         </mc:Fallback>
       </mc:AlternateContent>
-      <mc:AlternateContent xmlns:mc="http://schemas.openxmlformats.org/markup-compatibility/2006">
-        <mc:Choice xmlns:a14="http://schemas.microsoft.com/office/drawing/2010/main" Requires="a14">
+      <mc:AlternateContent xmlns:mc="http://schemas.openxmlformats.org/markup-compatibility/2006" xmlns:a14="http://schemas.microsoft.com/office/drawing/2010/main">
+        <mc:Choice Requires="a14">
           <p:sp>
             <p:nvSpPr>
               <p:cNvPr id="12" name="TextBox 11">
@@ -19904,7 +19904,7 @@
             </p:txBody>
           </p:sp>
         </mc:Choice>
-        <mc:Fallback>
+        <mc:Fallback xmlns="">
           <p:sp>
             <p:nvSpPr>
               <p:cNvPr id="12" name="TextBox 11">
@@ -20096,7 +20096,7 @@
         </p:nvCxnSpPr>
         <p:spPr>
           <a:xfrm>
-            <a:off x="6353029" y="3648935"/>
+            <a:off x="6358639" y="3648935"/>
             <a:ext cx="1378428" cy="372"/>
           </a:xfrm>
           <a:prstGeom prst="bentConnector3">
@@ -20632,8 +20632,8 @@
           </p:sp>
         </mc:Fallback>
       </mc:AlternateContent>
-      <mc:AlternateContent xmlns:mc="http://schemas.openxmlformats.org/markup-compatibility/2006">
-        <mc:Choice xmlns:a14="http://schemas.microsoft.com/office/drawing/2010/main" Requires="a14">
+      <mc:AlternateContent xmlns:mc="http://schemas.openxmlformats.org/markup-compatibility/2006" xmlns:a14="http://schemas.microsoft.com/office/drawing/2010/main">
+        <mc:Choice Requires="a14">
           <p:sp>
             <p:nvSpPr>
               <p:cNvPr id="22" name="TextBox 21">
@@ -20738,7 +20738,7 @@
             </p:txBody>
           </p:sp>
         </mc:Choice>
-        <mc:Fallback>
+        <mc:Fallback xmlns="">
           <p:sp>
             <p:nvSpPr>
               <p:cNvPr id="22" name="TextBox 21">
